--- a/docs/progress/group_progress/20211103グループ進捗報告.pptx
+++ b/docs/progress/group_progress/20211103グループ進捗報告.pptx
@@ -7,6 +7,7 @@
   <p:sldIdLst>
     <p:sldId id="256" r:id="rId2"/>
     <p:sldId id="257" r:id="rId3"/>
+    <p:sldId id="258" r:id="rId4"/>
   </p:sldIdLst>
   <p:sldSz cx="12192000" cy="6858000"/>
   <p:notesSz cx="6858000" cy="9144000"/>
@@ -3701,13 +3702,22 @@
         </p:nvSpPr>
         <p:spPr/>
         <p:txBody>
-          <a:bodyPr/>
+          <a:bodyPr>
+            <a:normAutofit fontScale="90000"/>
+          </a:bodyPr>
           <a:lstStyle/>
           <a:p>
             <a:r>
               <a:rPr kumimoji="1" lang="en-US" altLang="ja-JP" dirty="0"/>
               <a:t>2021/11/03</a:t>
             </a:r>
+            <a:r>
+              <a:rPr kumimoji="1" lang="ja-JP" altLang="en-US" dirty="0"/>
+              <a:t>全体進捗報告書</a:t>
+            </a:r>
+            <a:br>
+              <a:rPr kumimoji="1" lang="ja-JP" altLang="en-US" dirty="0"/>
+            </a:br>
             <a:endParaRPr kumimoji="1" lang="ja-JP" altLang="en-US" dirty="0"/>
           </a:p>
         </p:txBody>
@@ -3730,12 +3740,42 @@
         </p:nvSpPr>
         <p:spPr/>
         <p:txBody>
-          <a:bodyPr/>
-          <a:lstStyle/>
-          <a:p>
-            <a:r>
-              <a:rPr kumimoji="1" lang="ja-JP" altLang="en-US"/>
-              <a:t>全体進捗報告書</a:t>
+          <a:bodyPr>
+            <a:normAutofit fontScale="77500" lnSpcReduction="20000"/>
+          </a:bodyPr>
+          <a:lstStyle/>
+          <a:p>
+            <a:r>
+              <a:rPr kumimoji="1" lang="ja-JP" altLang="en-US" dirty="0"/>
+              <a:t>メンバー</a:t>
+            </a:r>
+            <a:endParaRPr kumimoji="1" lang="en-US" altLang="ja-JP" dirty="0"/>
+          </a:p>
+          <a:p>
+            <a:r>
+              <a:rPr lang="ja-JP" altLang="en-US" dirty="0"/>
+              <a:t>望月杏奈</a:t>
+            </a:r>
+            <a:endParaRPr lang="en-US" altLang="ja-JP" dirty="0"/>
+          </a:p>
+          <a:p>
+            <a:r>
+              <a:rPr kumimoji="1" lang="ja-JP" altLang="en-US" dirty="0"/>
+              <a:t>上田翠鳩</a:t>
+            </a:r>
+            <a:endParaRPr kumimoji="1" lang="en-US" altLang="ja-JP" dirty="0"/>
+          </a:p>
+          <a:p>
+            <a:r>
+              <a:rPr lang="ja-JP" altLang="en-US" dirty="0"/>
+              <a:t>鈴木有里</a:t>
+            </a:r>
+            <a:endParaRPr lang="en-US" altLang="ja-JP" dirty="0"/>
+          </a:p>
+          <a:p>
+            <a:r>
+              <a:rPr kumimoji="1" lang="ja-JP" altLang="en-US" dirty="0"/>
+              <a:t>山口秀敏</a:t>
             </a:r>
           </a:p>
         </p:txBody>
@@ -3826,6 +3866,17 @@
           <a:p>
             <a:r>
               <a:rPr kumimoji="1" lang="en-US" altLang="ja-JP" dirty="0"/>
+              <a:t>2021/10/29 </a:t>
+            </a:r>
+            <a:r>
+              <a:rPr lang="ja-JP" altLang="en-US" dirty="0"/>
+              <a:t>リーダーを決め、今後行う事の確認を行った。</a:t>
+            </a:r>
+            <a:endParaRPr kumimoji="1" lang="en-US" altLang="ja-JP" dirty="0"/>
+          </a:p>
+          <a:p>
+            <a:r>
+              <a:rPr kumimoji="1" lang="en-US" altLang="ja-JP" dirty="0"/>
               <a:t>2021/11/03 </a:t>
             </a:r>
             <a:r>
@@ -3847,6 +3898,243 @@
     <p:extLst>
       <p:ext uri="{BB962C8B-B14F-4D97-AF65-F5344CB8AC3E}">
         <p14:creationId xmlns:p14="http://schemas.microsoft.com/office/powerpoint/2010/main" val="1067367423"/>
+      </p:ext>
+    </p:extLst>
+  </p:cSld>
+  <p:clrMapOvr>
+    <a:masterClrMapping/>
+  </p:clrMapOvr>
+</p:sld>
+</file>
+
+<file path=ppt/slides/slide3.xml><?xml version="1.0" encoding="utf-8"?>
+<p:sld xmlns:a="http://schemas.openxmlformats.org/drawingml/2006/main" xmlns:r="http://schemas.openxmlformats.org/officeDocument/2006/relationships" xmlns:p="http://schemas.openxmlformats.org/presentationml/2006/main">
+  <p:cSld>
+    <p:spTree>
+      <p:nvGrpSpPr>
+        <p:cNvPr id="1" name=""/>
+        <p:cNvGrpSpPr/>
+        <p:nvPr/>
+      </p:nvGrpSpPr>
+      <p:grpSpPr>
+        <a:xfrm>
+          <a:off x="0" y="0"/>
+          <a:ext cx="0" cy="0"/>
+          <a:chOff x="0" y="0"/>
+          <a:chExt cx="0" cy="0"/>
+        </a:xfrm>
+      </p:grpSpPr>
+      <p:sp>
+        <p:nvSpPr>
+          <p:cNvPr id="3" name="コンテンツ プレースホルダー 2">
+            <a:extLst>
+              <a:ext uri="{FF2B5EF4-FFF2-40B4-BE49-F238E27FC236}">
+                <a16:creationId xmlns:a16="http://schemas.microsoft.com/office/drawing/2014/main" id="{127E52CD-DC79-4455-9E75-39EFD259D57F}"/>
+              </a:ext>
+            </a:extLst>
+          </p:cNvPr>
+          <p:cNvSpPr>
+            <a:spLocks noGrp="1"/>
+          </p:cNvSpPr>
+          <p:nvPr>
+            <p:ph idx="1"/>
+          </p:nvPr>
+        </p:nvSpPr>
+        <p:spPr>
+          <a:xfrm>
+            <a:off x="838200" y="297449"/>
+            <a:ext cx="11111630" cy="6353871"/>
+          </a:xfrm>
+        </p:spPr>
+        <p:txBody>
+          <a:bodyPr/>
+          <a:lstStyle/>
+          <a:p>
+            <a:pPr marL="0" indent="0">
+              <a:buNone/>
+            </a:pPr>
+            <a:endParaRPr kumimoji="1" lang="en-US" altLang="ja-JP" dirty="0"/>
+          </a:p>
+          <a:p>
+            <a:r>
+              <a:rPr kumimoji="1" lang="ja-JP" altLang="en-US" dirty="0"/>
+              <a:t>メンバー全体の作業内容（個人の進捗内容をまとめる）</a:t>
+            </a:r>
+            <a:endParaRPr kumimoji="1" lang="en-US" altLang="ja-JP" dirty="0"/>
+          </a:p>
+          <a:p>
+            <a:r>
+              <a:rPr lang="ja-JP" altLang="en-US" dirty="0"/>
+              <a:t>メンバー全体の課題点</a:t>
+            </a:r>
+            <a:endParaRPr lang="en-US" altLang="ja-JP" dirty="0"/>
+          </a:p>
+          <a:p>
+            <a:r>
+              <a:rPr kumimoji="1" lang="ja-JP" altLang="en-US" dirty="0"/>
+              <a:t>来週までに行う事</a:t>
+            </a:r>
+            <a:endParaRPr kumimoji="1" lang="en-US" altLang="ja-JP" dirty="0"/>
+          </a:p>
+          <a:p>
+            <a:pPr marL="0" indent="0">
+              <a:buNone/>
+            </a:pPr>
+            <a:r>
+              <a:rPr kumimoji="1" lang="ja-JP" altLang="en-US" dirty="0"/>
+              <a:t>　・開発ルールの作成</a:t>
+            </a:r>
+            <a:endParaRPr lang="en-US" altLang="ja-JP" dirty="0"/>
+          </a:p>
+          <a:p>
+            <a:pPr marL="0" indent="0">
+              <a:buNone/>
+            </a:pPr>
+            <a:r>
+              <a:rPr lang="ja-JP" altLang="en-US" dirty="0"/>
+              <a:t>　・画面シナリオの作成（</a:t>
+            </a:r>
+            <a:r>
+              <a:rPr lang="en-US" altLang="ja-JP" dirty="0"/>
+              <a:t>Figma</a:t>
+            </a:r>
+            <a:r>
+              <a:rPr lang="ja-JP" altLang="en-US" dirty="0"/>
+              <a:t>）</a:t>
+            </a:r>
+            <a:endParaRPr lang="en-US" altLang="ja-JP" dirty="0"/>
+          </a:p>
+          <a:p>
+            <a:pPr marL="0" indent="0">
+              <a:buNone/>
+            </a:pPr>
+            <a:r>
+              <a:rPr lang="ja-JP" altLang="en-US" dirty="0"/>
+              <a:t>来週以降のスケジュール</a:t>
+            </a:r>
+            <a:endParaRPr lang="en-US" altLang="ja-JP" dirty="0"/>
+          </a:p>
+          <a:p>
+            <a:r>
+              <a:rPr lang="en-US" altLang="ja-JP" b="0" dirty="0">
+                <a:effectLst/>
+                <a:latin typeface="Consolas" panose="020B0609020204030204" pitchFamily="49" charset="0"/>
+              </a:rPr>
+              <a:t>11/5</a:t>
+            </a:r>
+            <a:r>
+              <a:rPr lang="ja-JP" altLang="en-US" b="0" dirty="0">
+                <a:effectLst/>
+                <a:latin typeface="Consolas" panose="020B0609020204030204" pitchFamily="49" charset="0"/>
+              </a:rPr>
+              <a:t>　開発計画書追記、開発ルールの作成、画面シナリオの作成</a:t>
+            </a:r>
+            <a:endParaRPr lang="en-US" altLang="ja-JP" b="0" dirty="0">
+              <a:effectLst/>
+              <a:latin typeface="Consolas" panose="020B0609020204030204" pitchFamily="49" charset="0"/>
+            </a:endParaRPr>
+          </a:p>
+          <a:p>
+            <a:r>
+              <a:rPr lang="en-US" altLang="ja-JP" b="0">
+                <a:effectLst/>
+                <a:latin typeface="Consolas" panose="020B0609020204030204" pitchFamily="49" charset="0"/>
+              </a:rPr>
+              <a:t>11/10 </a:t>
+            </a:r>
+            <a:r>
+              <a:rPr lang="ja-JP" altLang="en-US" b="0">
+                <a:effectLst/>
+                <a:latin typeface="Consolas" panose="020B0609020204030204" pitchFamily="49" charset="0"/>
+              </a:rPr>
+              <a:t>画面</a:t>
+            </a:r>
+            <a:r>
+              <a:rPr lang="ja-JP" altLang="en-US" b="0" dirty="0">
+                <a:effectLst/>
+                <a:latin typeface="Consolas" panose="020B0609020204030204" pitchFamily="49" charset="0"/>
+              </a:rPr>
+              <a:t>シナリオの作成とインスペクション１</a:t>
+            </a:r>
+            <a:endParaRPr lang="en-US" altLang="ja-JP" b="0" dirty="0">
+              <a:effectLst/>
+              <a:latin typeface="Consolas" panose="020B0609020204030204" pitchFamily="49" charset="0"/>
+            </a:endParaRPr>
+          </a:p>
+          <a:p>
+            <a:r>
+              <a:rPr lang="en-US" altLang="ja-JP" b="0" dirty="0">
+                <a:effectLst/>
+                <a:latin typeface="Consolas" panose="020B0609020204030204" pitchFamily="49" charset="0"/>
+              </a:rPr>
+              <a:t>11/12</a:t>
+            </a:r>
+            <a:r>
+              <a:rPr lang="ja-JP" altLang="en-US" b="0" dirty="0">
+                <a:effectLst/>
+                <a:latin typeface="Consolas" panose="020B0609020204030204" pitchFamily="49" charset="0"/>
+              </a:rPr>
+              <a:t> 画面シナリオ、開発計画書初版作成完了</a:t>
+            </a:r>
+            <a:r>
+              <a:rPr lang="en-US" altLang="ja-JP" b="0" dirty="0">
+                <a:effectLst/>
+                <a:latin typeface="Consolas" panose="020B0609020204030204" pitchFamily="49" charset="0"/>
+              </a:rPr>
+              <a:t> </a:t>
+            </a:r>
+          </a:p>
+          <a:p>
+            <a:r>
+              <a:rPr lang="en-US" altLang="ja-JP" b="0" dirty="0">
+                <a:effectLst/>
+                <a:latin typeface="Consolas" panose="020B0609020204030204" pitchFamily="49" charset="0"/>
+              </a:rPr>
+              <a:t>11/19 </a:t>
+            </a:r>
+            <a:r>
+              <a:rPr lang="ja-JP" altLang="en-US" b="0" dirty="0">
+                <a:effectLst/>
+                <a:latin typeface="Consolas" panose="020B0609020204030204" pitchFamily="49" charset="0"/>
+              </a:rPr>
+              <a:t>画面シナリオインスペクション</a:t>
+            </a:r>
+            <a:r>
+              <a:rPr lang="en-US" altLang="ja-JP" dirty="0">
+                <a:latin typeface="Consolas" panose="020B0609020204030204" pitchFamily="49" charset="0"/>
+              </a:rPr>
+              <a:t>2</a:t>
+            </a:r>
+            <a:r>
+              <a:rPr lang="ja-JP" altLang="en-US" b="0" dirty="0">
+                <a:effectLst/>
+                <a:latin typeface="Consolas" panose="020B0609020204030204" pitchFamily="49" charset="0"/>
+              </a:rPr>
+              <a:t>回目完了</a:t>
+            </a:r>
+            <a:endParaRPr lang="en-US" altLang="ja-JP" b="0" dirty="0">
+              <a:effectLst/>
+              <a:latin typeface="Consolas" panose="020B0609020204030204" pitchFamily="49" charset="0"/>
+            </a:endParaRPr>
+          </a:p>
+          <a:p>
+            <a:pPr marL="0" indent="0">
+              <a:buNone/>
+            </a:pPr>
+            <a:endParaRPr lang="en-US" altLang="ja-JP" dirty="0"/>
+          </a:p>
+          <a:p>
+            <a:pPr marL="0" indent="0">
+              <a:buNone/>
+            </a:pPr>
+            <a:endParaRPr kumimoji="1" lang="ja-JP" altLang="en-US" dirty="0"/>
+          </a:p>
+        </p:txBody>
+      </p:sp>
+    </p:spTree>
+    <p:extLst>
+      <p:ext uri="{BB962C8B-B14F-4D97-AF65-F5344CB8AC3E}">
+        <p14:creationId xmlns:p14="http://schemas.microsoft.com/office/powerpoint/2010/main" val="2949227768"/>
       </p:ext>
     </p:extLst>
   </p:cSld>

--- a/docs/progress/group_progress/20211103グループ進捗報告.pptx
+++ b/docs/progress/group_progress/20211103グループ進捗報告.pptx
@@ -4036,25 +4036,31 @@
           </a:p>
           <a:p>
             <a:r>
-              <a:rPr lang="en-US" altLang="ja-JP" b="0">
+              <a:rPr lang="en-US" altLang="ja-JP" b="0" dirty="0">
                 <a:effectLst/>
                 <a:latin typeface="Consolas" panose="020B0609020204030204" pitchFamily="49" charset="0"/>
               </a:rPr>
               <a:t>11/10 </a:t>
             </a:r>
             <a:r>
-              <a:rPr lang="ja-JP" altLang="en-US" b="0">
-                <a:effectLst/>
-                <a:latin typeface="Consolas" panose="020B0609020204030204" pitchFamily="49" charset="0"/>
-              </a:rPr>
-              <a:t>画面</a:t>
-            </a:r>
-            <a:r>
               <a:rPr lang="ja-JP" altLang="en-US" b="0" dirty="0">
                 <a:effectLst/>
                 <a:latin typeface="Consolas" panose="020B0609020204030204" pitchFamily="49" charset="0"/>
               </a:rPr>
-              <a:t>シナリオの作成とインスペクション１</a:t>
+              <a:t>画面シナリオ</a:t>
+            </a:r>
+            <a:r>
+              <a:rPr lang="ja-JP" altLang="en-US" dirty="0">
+                <a:latin typeface="Consolas" panose="020B0609020204030204" pitchFamily="49" charset="0"/>
+              </a:rPr>
+              <a:t>のピアレビューと</a:t>
+            </a:r>
+            <a:r>
+              <a:rPr lang="ja-JP" altLang="en-US" b="0" dirty="0">
+                <a:effectLst/>
+                <a:latin typeface="Consolas" panose="020B0609020204030204" pitchFamily="49" charset="0"/>
+              </a:rPr>
+              <a:t>インスペクション１</a:t>
             </a:r>
             <a:endParaRPr lang="en-US" altLang="ja-JP" b="0" dirty="0">
               <a:effectLst/>

--- a/docs/progress/group_progress/20211103グループ進捗報告.pptx
+++ b/docs/progress/group_progress/20211103グループ進捗報告.pptx
@@ -329,7 +329,7 @@
           <a:p>
             <a:fld id="{678B87BA-932E-4AE9-8C26-1ED8823782BB}" type="datetimeFigureOut">
               <a:rPr kumimoji="1" lang="ja-JP" altLang="en-US" smtClean="0"/>
-              <a:t>2021/11/3</a:t>
+              <a:t>2021/11/5</a:t>
             </a:fld>
             <a:endParaRPr kumimoji="1" lang="ja-JP" altLang="en-US"/>
           </a:p>
@@ -559,7 +559,7 @@
           <a:p>
             <a:fld id="{678B87BA-932E-4AE9-8C26-1ED8823782BB}" type="datetimeFigureOut">
               <a:rPr kumimoji="1" lang="ja-JP" altLang="en-US" smtClean="0"/>
-              <a:t>2021/11/3</a:t>
+              <a:t>2021/11/5</a:t>
             </a:fld>
             <a:endParaRPr kumimoji="1" lang="ja-JP" altLang="en-US"/>
           </a:p>
@@ -799,7 +799,7 @@
           <a:p>
             <a:fld id="{678B87BA-932E-4AE9-8C26-1ED8823782BB}" type="datetimeFigureOut">
               <a:rPr kumimoji="1" lang="ja-JP" altLang="en-US" smtClean="0"/>
-              <a:t>2021/11/3</a:t>
+              <a:t>2021/11/5</a:t>
             </a:fld>
             <a:endParaRPr kumimoji="1" lang="ja-JP" altLang="en-US"/>
           </a:p>
@@ -1029,7 +1029,7 @@
           <a:p>
             <a:fld id="{678B87BA-932E-4AE9-8C26-1ED8823782BB}" type="datetimeFigureOut">
               <a:rPr kumimoji="1" lang="ja-JP" altLang="en-US" smtClean="0"/>
-              <a:t>2021/11/3</a:t>
+              <a:t>2021/11/5</a:t>
             </a:fld>
             <a:endParaRPr kumimoji="1" lang="ja-JP" altLang="en-US"/>
           </a:p>
@@ -1304,7 +1304,7 @@
           <a:p>
             <a:fld id="{678B87BA-932E-4AE9-8C26-1ED8823782BB}" type="datetimeFigureOut">
               <a:rPr kumimoji="1" lang="ja-JP" altLang="en-US" smtClean="0"/>
-              <a:t>2021/11/3</a:t>
+              <a:t>2021/11/5</a:t>
             </a:fld>
             <a:endParaRPr kumimoji="1" lang="ja-JP" altLang="en-US"/>
           </a:p>
@@ -1633,7 +1633,7 @@
           <a:p>
             <a:fld id="{678B87BA-932E-4AE9-8C26-1ED8823782BB}" type="datetimeFigureOut">
               <a:rPr kumimoji="1" lang="ja-JP" altLang="en-US" smtClean="0"/>
-              <a:t>2021/11/3</a:t>
+              <a:t>2021/11/5</a:t>
             </a:fld>
             <a:endParaRPr kumimoji="1" lang="ja-JP" altLang="en-US"/>
           </a:p>
@@ -2109,7 +2109,7 @@
           <a:p>
             <a:fld id="{678B87BA-932E-4AE9-8C26-1ED8823782BB}" type="datetimeFigureOut">
               <a:rPr kumimoji="1" lang="ja-JP" altLang="en-US" smtClean="0"/>
-              <a:t>2021/11/3</a:t>
+              <a:t>2021/11/5</a:t>
             </a:fld>
             <a:endParaRPr kumimoji="1" lang="ja-JP" altLang="en-US"/>
           </a:p>
@@ -2250,7 +2250,7 @@
           <a:p>
             <a:fld id="{678B87BA-932E-4AE9-8C26-1ED8823782BB}" type="datetimeFigureOut">
               <a:rPr kumimoji="1" lang="ja-JP" altLang="en-US" smtClean="0"/>
-              <a:t>2021/11/3</a:t>
+              <a:t>2021/11/5</a:t>
             </a:fld>
             <a:endParaRPr kumimoji="1" lang="ja-JP" altLang="en-US"/>
           </a:p>
@@ -2363,7 +2363,7 @@
           <a:p>
             <a:fld id="{678B87BA-932E-4AE9-8C26-1ED8823782BB}" type="datetimeFigureOut">
               <a:rPr kumimoji="1" lang="ja-JP" altLang="en-US" smtClean="0"/>
-              <a:t>2021/11/3</a:t>
+              <a:t>2021/11/5</a:t>
             </a:fld>
             <a:endParaRPr kumimoji="1" lang="ja-JP" altLang="en-US"/>
           </a:p>
@@ -2706,7 +2706,7 @@
           <a:p>
             <a:fld id="{678B87BA-932E-4AE9-8C26-1ED8823782BB}" type="datetimeFigureOut">
               <a:rPr kumimoji="1" lang="ja-JP" altLang="en-US" smtClean="0"/>
-              <a:t>2021/11/3</a:t>
+              <a:t>2021/11/5</a:t>
             </a:fld>
             <a:endParaRPr kumimoji="1" lang="ja-JP" altLang="en-US"/>
           </a:p>
@@ -2994,7 +2994,7 @@
           <a:p>
             <a:fld id="{678B87BA-932E-4AE9-8C26-1ED8823782BB}" type="datetimeFigureOut">
               <a:rPr kumimoji="1" lang="ja-JP" altLang="en-US" smtClean="0"/>
-              <a:t>2021/11/3</a:t>
+              <a:t>2021/11/5</a:t>
             </a:fld>
             <a:endParaRPr kumimoji="1" lang="ja-JP" altLang="en-US"/>
           </a:p>
@@ -3267,7 +3267,7 @@
           <a:p>
             <a:fld id="{678B87BA-932E-4AE9-8C26-1ED8823782BB}" type="datetimeFigureOut">
               <a:rPr kumimoji="1" lang="ja-JP" altLang="en-US" smtClean="0"/>
-              <a:t>2021/11/3</a:t>
+              <a:t>2021/11/5</a:t>
             </a:fld>
             <a:endParaRPr kumimoji="1" lang="ja-JP" altLang="en-US"/>
           </a:p>
@@ -3709,7 +3709,7 @@
           <a:p>
             <a:r>
               <a:rPr kumimoji="1" lang="en-US" altLang="ja-JP" dirty="0"/>
-              <a:t>2021/11/03</a:t>
+              <a:t>2021/11/05</a:t>
             </a:r>
             <a:r>
               <a:rPr kumimoji="1" lang="ja-JP" altLang="en-US" dirty="0"/>
@@ -3891,6 +3891,18 @@
               <a:rPr kumimoji="1" lang="ja-JP" altLang="en-US" dirty="0"/>
               <a:t>の使い方の共有、開発計画書の作成</a:t>
             </a:r>
+            <a:endParaRPr kumimoji="1" lang="en-US" altLang="ja-JP" dirty="0"/>
+          </a:p>
+          <a:p>
+            <a:r>
+              <a:rPr lang="en-US" altLang="ja-JP" dirty="0"/>
+              <a:t>2021/11/05 </a:t>
+            </a:r>
+            <a:r>
+              <a:rPr lang="ja-JP" altLang="en-US" dirty="0"/>
+              <a:t>授業内で会議を行い、開発ルールの作成と画面シナリオに着手した。</a:t>
+            </a:r>
+            <a:endParaRPr kumimoji="1" lang="ja-JP" altLang="en-US" dirty="0"/>
           </a:p>
         </p:txBody>
       </p:sp>
@@ -3982,9 +3994,13 @@
             </a:pPr>
             <a:r>
               <a:rPr kumimoji="1" lang="ja-JP" altLang="en-US" dirty="0"/>
-              <a:t>　・開発ルールの作成</a:t>
-            </a:r>
-            <a:endParaRPr lang="en-US" altLang="ja-JP" dirty="0"/>
+              <a:t>　・</a:t>
+            </a:r>
+            <a:r>
+              <a:rPr kumimoji="1" lang="ja-JP" altLang="en-US" strike="sngStrike" dirty="0"/>
+              <a:t>開発ルールの作成</a:t>
+            </a:r>
+            <a:endParaRPr lang="en-US" altLang="ja-JP" strike="sngStrike" dirty="0"/>
           </a:p>
           <a:p>
             <a:pPr marL="0" indent="0">
@@ -4016,20 +4032,20 @@
           </a:p>
           <a:p>
             <a:r>
-              <a:rPr lang="en-US" altLang="ja-JP" b="0" dirty="0">
+              <a:rPr lang="en-US" altLang="ja-JP" b="0" strike="sngStrike" dirty="0">
                 <a:effectLst/>
                 <a:latin typeface="Consolas" panose="020B0609020204030204" pitchFamily="49" charset="0"/>
               </a:rPr>
               <a:t>11/5</a:t>
             </a:r>
             <a:r>
-              <a:rPr lang="ja-JP" altLang="en-US" b="0" dirty="0">
+              <a:rPr lang="ja-JP" altLang="en-US" b="0" strike="sngStrike" dirty="0">
                 <a:effectLst/>
                 <a:latin typeface="Consolas" panose="020B0609020204030204" pitchFamily="49" charset="0"/>
               </a:rPr>
               <a:t>　開発計画書追記、開発ルールの作成、画面シナリオの作成</a:t>
             </a:r>
-            <a:endParaRPr lang="en-US" altLang="ja-JP" b="0" dirty="0">
+            <a:endParaRPr lang="en-US" altLang="ja-JP" b="0" strike="sngStrike" dirty="0">
               <a:effectLst/>
               <a:latin typeface="Consolas" panose="020B0609020204030204" pitchFamily="49" charset="0"/>
             </a:endParaRPr>
